--- a/Teste Smoke test.pptx
+++ b/Teste Smoke test.pptx
@@ -273,7 +273,7 @@
           <a:p>
             <a:fld id="{C43A76A3-ADC8-4477-8FC1-B9DD55D84908}" type="datetime1">
               <a:rPr lang="en-US" smtClean="0"/>
-              <a:t>10/26/2025</a:t>
+              <a:t>10/27/2025</a:t>
             </a:fld>
             <a:endParaRPr lang="en-US" dirty="0"/>
           </a:p>
@@ -471,7 +471,7 @@
           <a:p>
             <a:fld id="{D6762538-DC4D-4667-96E5-B3278DDF8B12}" type="datetime1">
               <a:rPr lang="en-US" smtClean="0"/>
-              <a:t>10/26/2025</a:t>
+              <a:t>10/27/2025</a:t>
             </a:fld>
             <a:endParaRPr lang="en-US"/>
           </a:p>
@@ -679,7 +679,7 @@
           <a:p>
             <a:fld id="{05880548-5C08-4BE3-B63E-F2BB63B0B00C}" type="datetime1">
               <a:rPr lang="en-US" smtClean="0"/>
-              <a:t>10/26/2025</a:t>
+              <a:t>10/27/2025</a:t>
             </a:fld>
             <a:endParaRPr lang="en-US"/>
           </a:p>
@@ -877,7 +877,7 @@
           <a:p>
             <a:fld id="{DE7F49BE-398D-479A-8A7E-5DDBCA61EDCB}" type="datetime1">
               <a:rPr lang="en-US" smtClean="0"/>
-              <a:t>10/26/2025</a:t>
+              <a:t>10/27/2025</a:t>
             </a:fld>
             <a:endParaRPr lang="en-US"/>
           </a:p>
@@ -1153,7 +1153,7 @@
           <a:p>
             <a:fld id="{CCD0C193-4974-4A1F-9C63-07D595E30D66}" type="datetime1">
               <a:rPr lang="en-US" smtClean="0"/>
-              <a:t>10/26/2025</a:t>
+              <a:t>10/27/2025</a:t>
             </a:fld>
             <a:endParaRPr lang="en-US"/>
           </a:p>
@@ -1420,7 +1420,7 @@
           <a:p>
             <a:fld id="{701AA87F-28D4-4BF0-B81F-877A89DFD5AC}" type="datetime1">
               <a:rPr lang="en-US" smtClean="0"/>
-              <a:t>10/26/2025</a:t>
+              <a:t>10/27/2025</a:t>
             </a:fld>
             <a:endParaRPr lang="en-US"/>
           </a:p>
@@ -1834,7 +1834,7 @@
           <a:p>
             <a:fld id="{A8A9F1F3-208B-49A3-B337-9C8ACEB3E0E1}" type="datetime1">
               <a:rPr lang="en-US" smtClean="0"/>
-              <a:t>10/26/2025</a:t>
+              <a:t>10/27/2025</a:t>
             </a:fld>
             <a:endParaRPr lang="en-US"/>
           </a:p>
@@ -1981,7 +1981,7 @@
           <a:p>
             <a:fld id="{27AF6CA6-7293-4AA2-A0E0-A3BF4416E786}" type="datetime1">
               <a:rPr lang="en-US" smtClean="0"/>
-              <a:t>10/26/2025</a:t>
+              <a:t>10/27/2025</a:t>
             </a:fld>
             <a:endParaRPr lang="en-US"/>
           </a:p>
@@ -2094,7 +2094,7 @@
           <a:p>
             <a:fld id="{98D87016-7BCD-46FB-8EE3-AB6C369108B4}" type="datetime1">
               <a:rPr lang="en-US" smtClean="0"/>
-              <a:t>10/26/2025</a:t>
+              <a:t>10/27/2025</a:t>
             </a:fld>
             <a:endParaRPr lang="en-US"/>
           </a:p>
@@ -2413,7 +2413,7 @@
           <a:p>
             <a:fld id="{A1547011-1FFC-4EF8-9A2E-53B4AD2ADBD4}" type="datetime1">
               <a:rPr lang="en-US" smtClean="0"/>
-              <a:t>10/26/2025</a:t>
+              <a:t>10/27/2025</a:t>
             </a:fld>
             <a:endParaRPr lang="en-US"/>
           </a:p>
@@ -2708,7 +2708,7 @@
           <a:p>
             <a:fld id="{9562EB47-45B4-4EF5-A743-B4885DD2F060}" type="datetime1">
               <a:rPr lang="en-US" smtClean="0"/>
-              <a:t>10/26/2025</a:t>
+              <a:t>10/27/2025</a:t>
             </a:fld>
             <a:endParaRPr lang="en-US"/>
           </a:p>
@@ -4093,7 +4093,7 @@
           <a:p>
             <a:fld id="{4A8D24A4-5FEC-4062-8995-EB21925B3B40}" type="datetime1">
               <a:rPr lang="en-US" smtClean="0"/>
-              <a:t>10/26/2025</a:t>
+              <a:t>10/27/2025</a:t>
             </a:fld>
             <a:endParaRPr lang="en-US" sz="1000" dirty="0"/>
           </a:p>
@@ -6303,114 +6303,58 @@
           <a:lstStyle/>
           <a:p>
             <a:r>
-              <a:rPr lang="de-DE">
+              <a:rPr lang="pt-BR" dirty="0">
                 <a:solidFill>
                   <a:schemeClr val="bg1"/>
                 </a:solidFill>
-                <a:ea typeface="+mn-lt"/>
-                <a:cs typeface="+mn-lt"/>
               </a:rPr>
-              <a:t>Smoke </a:t>
-            </a:r>
-            <a:r>
-              <a:rPr lang="de-DE" err="1">
+              <a:t>O smoke testing verifica rapidamente as funcionalidades básicas de uma aplicação.</a:t>
+            </a:r>
+            <a:br>
+              <a:rPr lang="pt-BR" dirty="0">
                 <a:solidFill>
                   <a:schemeClr val="bg1"/>
                 </a:solidFill>
-                <a:ea typeface="+mn-lt"/>
-                <a:cs typeface="+mn-lt"/>
               </a:rPr>
-              <a:t>testing</a:t>
-            </a:r>
-            <a:r>
-              <a:rPr lang="de-DE">
+            </a:br>
+            <a:r>
+              <a:rPr lang="pt-BR" dirty="0">
                 <a:solidFill>
                   <a:schemeClr val="bg1"/>
                 </a:solidFill>
-                <a:ea typeface="+mn-lt"/>
-                <a:cs typeface="+mn-lt"/>
               </a:rPr>
-              <a:t> </a:t>
-            </a:r>
-            <a:r>
-              <a:rPr lang="de-DE" err="1">
+              <a:t>Avalia se o build ou compilação está estável.</a:t>
+            </a:r>
+            <a:br>
+              <a:rPr lang="pt-BR" dirty="0">
                 <a:solidFill>
                   <a:schemeClr val="bg1"/>
                 </a:solidFill>
-                <a:ea typeface="+mn-lt"/>
-                <a:cs typeface="+mn-lt"/>
               </a:rPr>
-              <a:t>ou</a:t>
-            </a:r>
-            <a:r>
-              <a:rPr lang="de-DE">
+            </a:br>
+            <a:r>
+              <a:rPr lang="pt-BR" dirty="0">
                 <a:solidFill>
                   <a:schemeClr val="bg1"/>
                 </a:solidFill>
-                <a:ea typeface="+mn-lt"/>
-                <a:cs typeface="+mn-lt"/>
               </a:rPr>
-              <a:t> teste de fumaça são testes básicos que verificam as funcionalidade básicas da aplicação, é um processo que deve ser executado de forma rápida para determinar se o build ou a compilação da aplicação realizada está estável ou não. É uma confirmação para a equipe decidir se avança ou não para novos testes. Consiste em um conjunto mínimo de testes para validar </a:t>
-            </a:r>
-            <a:r>
-              <a:rPr lang="de-DE" err="1">
+              <a:t>Ajuda a equipe a decidir se pode avançar para testes mais detalhados.</a:t>
+            </a:r>
+            <a:br>
+              <a:rPr lang="pt-BR" dirty="0">
                 <a:solidFill>
                   <a:schemeClr val="bg1"/>
                 </a:solidFill>
-                <a:ea typeface="+mn-lt"/>
-                <a:cs typeface="+mn-lt"/>
               </a:rPr>
-              <a:t>as</a:t>
-            </a:r>
-            <a:r>
-              <a:rPr lang="de-DE">
+            </a:br>
+            <a:r>
+              <a:rPr lang="pt-BR" dirty="0">
                 <a:solidFill>
                   <a:schemeClr val="bg1"/>
                 </a:solidFill>
-                <a:ea typeface="+mn-lt"/>
-                <a:cs typeface="+mn-lt"/>
               </a:rPr>
-              <a:t> </a:t>
-            </a:r>
-            <a:r>
-              <a:rPr lang="de-DE" err="1">
-                <a:solidFill>
-                  <a:schemeClr val="bg1"/>
-                </a:solidFill>
-                <a:ea typeface="+mn-lt"/>
-                <a:cs typeface="+mn-lt"/>
-              </a:rPr>
-              <a:t>principais</a:t>
-            </a:r>
-            <a:r>
-              <a:rPr lang="de-DE">
-                <a:solidFill>
-                  <a:schemeClr val="bg1"/>
-                </a:solidFill>
-                <a:ea typeface="+mn-lt"/>
-                <a:cs typeface="+mn-lt"/>
-              </a:rPr>
-              <a:t> </a:t>
-            </a:r>
-            <a:r>
-              <a:rPr lang="de-DE" err="1">
-                <a:solidFill>
-                  <a:schemeClr val="bg1"/>
-                </a:solidFill>
-                <a:ea typeface="+mn-lt"/>
-                <a:cs typeface="+mn-lt"/>
-              </a:rPr>
-              <a:t>funcionalidades</a:t>
-            </a:r>
-            <a:endParaRPr lang="pt-BR" err="1">
-              <a:solidFill>
-                <a:schemeClr val="bg1"/>
-              </a:solidFill>
-              <a:ea typeface="+mn-lt"/>
-              <a:cs typeface="+mn-lt"/>
-            </a:endParaRPr>
-          </a:p>
-          <a:p>
+              <a:t>Consiste em testar um conjunto mínimo das principais funcionalidades.</a:t>
+            </a:r>
             <a:endParaRPr lang="de-DE" dirty="0">
               <a:solidFill>
                 <a:schemeClr val="bg1"/>
@@ -7238,538 +7182,58 @@
           </a:bodyPr>
           <a:lstStyle/>
           <a:p>
-            <a:endParaRPr lang="pt-BR"/>
-          </a:p>
-          <a:p>
-            <a:r>
-              <a:rPr lang="de-DE" sz="2800" dirty="0">
+            <a:r>
+              <a:rPr lang="pt-BR" dirty="0">
                 <a:solidFill>
                   <a:schemeClr val="bg1"/>
                 </a:solidFill>
-                <a:ea typeface="+mn-lt"/>
-                <a:cs typeface="+mn-lt"/>
               </a:rPr>
-              <a:t>O teste de </a:t>
-            </a:r>
-            <a:r>
-              <a:rPr lang="de-DE" sz="2800" dirty="0" err="1">
+              <a:t>O smoke testing é realizado sempre que novas funcionalidades são integradas.</a:t>
+            </a:r>
+            <a:br>
+              <a:rPr lang="pt-BR" dirty="0">
                 <a:solidFill>
                   <a:schemeClr val="bg1"/>
                 </a:solidFill>
-                <a:ea typeface="+mn-lt"/>
-                <a:cs typeface="+mn-lt"/>
               </a:rPr>
-              <a:t>fumaça</a:t>
-            </a:r>
-            <a:r>
-              <a:rPr lang="de-DE" sz="2800" dirty="0">
+            </a:br>
+            <a:r>
+              <a:rPr lang="pt-BR" dirty="0">
                 <a:solidFill>
                   <a:schemeClr val="bg1"/>
                 </a:solidFill>
-                <a:ea typeface="+mn-lt"/>
-                <a:cs typeface="+mn-lt"/>
               </a:rPr>
-              <a:t> </a:t>
-            </a:r>
-            <a:r>
-              <a:rPr lang="de-DE" sz="2800" dirty="0" err="1">
+              <a:t>Avalia a estabilidade do build no ambiente de staging.</a:t>
+            </a:r>
+            <a:br>
+              <a:rPr lang="pt-BR" dirty="0">
                 <a:solidFill>
                   <a:schemeClr val="bg1"/>
                 </a:solidFill>
-                <a:ea typeface="+mn-lt"/>
-                <a:cs typeface="+mn-lt"/>
               </a:rPr>
-              <a:t>deve</a:t>
-            </a:r>
-            <a:r>
-              <a:rPr lang="de-DE" sz="2800" dirty="0">
+            </a:br>
+            <a:r>
+              <a:rPr lang="pt-BR" dirty="0">
                 <a:solidFill>
                   <a:schemeClr val="bg1"/>
                 </a:solidFill>
-                <a:ea typeface="+mn-lt"/>
-                <a:cs typeface="+mn-lt"/>
               </a:rPr>
-              <a:t> </a:t>
-            </a:r>
-            <a:r>
-              <a:rPr lang="de-DE" sz="2800" dirty="0" err="1">
+              <a:t>Garante que alterações não quebrem funcionalidades existentes.</a:t>
+            </a:r>
+            <a:br>
+              <a:rPr lang="pt-BR" dirty="0">
                 <a:solidFill>
                   <a:schemeClr val="bg1"/>
                 </a:solidFill>
-                <a:ea typeface="+mn-lt"/>
-                <a:cs typeface="+mn-lt"/>
               </a:rPr>
-              <a:t>ser</a:t>
-            </a:r>
-            <a:r>
-              <a:rPr lang="de-DE" sz="2800" dirty="0">
+            </a:br>
+            <a:r>
+              <a:rPr lang="pt-BR" dirty="0">
                 <a:solidFill>
                   <a:schemeClr val="bg1"/>
                 </a:solidFill>
-                <a:ea typeface="+mn-lt"/>
-                <a:cs typeface="+mn-lt"/>
               </a:rPr>
-              <a:t> </a:t>
-            </a:r>
-            <a:r>
-              <a:rPr lang="de-DE" sz="2800" dirty="0" err="1">
-                <a:solidFill>
-                  <a:schemeClr val="bg1"/>
-                </a:solidFill>
-                <a:ea typeface="+mn-lt"/>
-                <a:cs typeface="+mn-lt"/>
-              </a:rPr>
-              <a:t>executado</a:t>
-            </a:r>
-            <a:r>
-              <a:rPr lang="de-DE" sz="2800" dirty="0">
-                <a:solidFill>
-                  <a:schemeClr val="bg1"/>
-                </a:solidFill>
-                <a:ea typeface="+mn-lt"/>
-                <a:cs typeface="+mn-lt"/>
-              </a:rPr>
-              <a:t> sempre </a:t>
-            </a:r>
-            <a:r>
-              <a:rPr lang="de-DE" sz="2800" dirty="0" err="1">
-                <a:solidFill>
-                  <a:schemeClr val="bg1"/>
-                </a:solidFill>
-                <a:ea typeface="+mn-lt"/>
-                <a:cs typeface="+mn-lt"/>
-              </a:rPr>
-              <a:t>que</a:t>
-            </a:r>
-            <a:r>
-              <a:rPr lang="de-DE" sz="2800" dirty="0">
-                <a:solidFill>
-                  <a:schemeClr val="bg1"/>
-                </a:solidFill>
-                <a:ea typeface="+mn-lt"/>
-                <a:cs typeface="+mn-lt"/>
-              </a:rPr>
-              <a:t> </a:t>
-            </a:r>
-            <a:r>
-              <a:rPr lang="de-DE" sz="2800" dirty="0" err="1">
-                <a:solidFill>
-                  <a:schemeClr val="bg1"/>
-                </a:solidFill>
-                <a:ea typeface="+mn-lt"/>
-                <a:cs typeface="+mn-lt"/>
-              </a:rPr>
-              <a:t>novas</a:t>
-            </a:r>
-            <a:r>
-              <a:rPr lang="de-DE" sz="2800" dirty="0">
-                <a:solidFill>
-                  <a:schemeClr val="bg1"/>
-                </a:solidFill>
-                <a:ea typeface="+mn-lt"/>
-                <a:cs typeface="+mn-lt"/>
-              </a:rPr>
-              <a:t> </a:t>
-            </a:r>
-            <a:r>
-              <a:rPr lang="de-DE" sz="2800" dirty="0" err="1">
-                <a:solidFill>
-                  <a:schemeClr val="bg1"/>
-                </a:solidFill>
-                <a:ea typeface="+mn-lt"/>
-                <a:cs typeface="+mn-lt"/>
-              </a:rPr>
-              <a:t>funcionalidades</a:t>
-            </a:r>
-            <a:r>
-              <a:rPr lang="de-DE" sz="2800" dirty="0">
-                <a:solidFill>
-                  <a:schemeClr val="bg1"/>
-                </a:solidFill>
-                <a:ea typeface="+mn-lt"/>
-                <a:cs typeface="+mn-lt"/>
-              </a:rPr>
-              <a:t> da </a:t>
-            </a:r>
-            <a:r>
-              <a:rPr lang="de-DE" sz="2800" dirty="0" err="1">
-                <a:solidFill>
-                  <a:schemeClr val="bg1"/>
-                </a:solidFill>
-                <a:ea typeface="+mn-lt"/>
-                <a:cs typeface="+mn-lt"/>
-              </a:rPr>
-              <a:t>aplicação</a:t>
-            </a:r>
-            <a:r>
-              <a:rPr lang="de-DE" sz="2800" dirty="0">
-                <a:solidFill>
-                  <a:schemeClr val="bg1"/>
-                </a:solidFill>
-                <a:ea typeface="+mn-lt"/>
-                <a:cs typeface="+mn-lt"/>
-              </a:rPr>
-              <a:t> </a:t>
-            </a:r>
-            <a:r>
-              <a:rPr lang="de-DE" sz="2800" dirty="0" err="1">
-                <a:solidFill>
-                  <a:schemeClr val="bg1"/>
-                </a:solidFill>
-                <a:ea typeface="+mn-lt"/>
-                <a:cs typeface="+mn-lt"/>
-              </a:rPr>
-              <a:t>são</a:t>
-            </a:r>
-            <a:r>
-              <a:rPr lang="de-DE" sz="2800" dirty="0">
-                <a:solidFill>
-                  <a:schemeClr val="bg1"/>
-                </a:solidFill>
-                <a:ea typeface="+mn-lt"/>
-                <a:cs typeface="+mn-lt"/>
-              </a:rPr>
-              <a:t> </a:t>
-            </a:r>
-            <a:r>
-              <a:rPr lang="de-DE" sz="2800" dirty="0" err="1">
-                <a:solidFill>
-                  <a:schemeClr val="bg1"/>
-                </a:solidFill>
-                <a:ea typeface="+mn-lt"/>
-                <a:cs typeface="+mn-lt"/>
-              </a:rPr>
-              <a:t>desenvolvidas</a:t>
-            </a:r>
-            <a:r>
-              <a:rPr lang="de-DE" sz="2800" dirty="0">
-                <a:solidFill>
-                  <a:schemeClr val="bg1"/>
-                </a:solidFill>
-                <a:ea typeface="+mn-lt"/>
-                <a:cs typeface="+mn-lt"/>
-              </a:rPr>
-              <a:t> e </a:t>
-            </a:r>
-            <a:r>
-              <a:rPr lang="de-DE" sz="2800" dirty="0" err="1">
-                <a:solidFill>
-                  <a:schemeClr val="bg1"/>
-                </a:solidFill>
-                <a:ea typeface="+mn-lt"/>
-                <a:cs typeface="+mn-lt"/>
-              </a:rPr>
-              <a:t>integradas</a:t>
-            </a:r>
-            <a:r>
-              <a:rPr lang="de-DE" sz="2800" dirty="0">
-                <a:solidFill>
-                  <a:schemeClr val="bg1"/>
-                </a:solidFill>
-                <a:ea typeface="+mn-lt"/>
-                <a:cs typeface="+mn-lt"/>
-              </a:rPr>
-              <a:t> </a:t>
-            </a:r>
-            <a:r>
-              <a:rPr lang="de-DE" sz="2800" dirty="0" err="1">
-                <a:solidFill>
-                  <a:schemeClr val="bg1"/>
-                </a:solidFill>
-                <a:ea typeface="+mn-lt"/>
-                <a:cs typeface="+mn-lt"/>
-              </a:rPr>
-              <a:t>com</a:t>
-            </a:r>
-            <a:r>
-              <a:rPr lang="de-DE" sz="2800" dirty="0">
-                <a:solidFill>
-                  <a:schemeClr val="bg1"/>
-                </a:solidFill>
-                <a:ea typeface="+mn-lt"/>
-                <a:cs typeface="+mn-lt"/>
-              </a:rPr>
-              <a:t> a </a:t>
-            </a:r>
-            <a:r>
-              <a:rPr lang="de-DE" sz="2800" dirty="0" err="1">
-                <a:solidFill>
-                  <a:schemeClr val="bg1"/>
-                </a:solidFill>
-                <a:ea typeface="+mn-lt"/>
-                <a:cs typeface="+mn-lt"/>
-              </a:rPr>
-              <a:t>compilação</a:t>
-            </a:r>
-            <a:r>
-              <a:rPr lang="de-DE" sz="2800" dirty="0">
-                <a:solidFill>
-                  <a:schemeClr val="bg1"/>
-                </a:solidFill>
-                <a:ea typeface="+mn-lt"/>
-                <a:cs typeface="+mn-lt"/>
-              </a:rPr>
-              <a:t> existente </a:t>
-            </a:r>
-            <a:r>
-              <a:rPr lang="de-DE" sz="2800" dirty="0" err="1">
-                <a:solidFill>
-                  <a:schemeClr val="bg1"/>
-                </a:solidFill>
-                <a:ea typeface="+mn-lt"/>
-                <a:cs typeface="+mn-lt"/>
-              </a:rPr>
-              <a:t>que</a:t>
-            </a:r>
-            <a:r>
-              <a:rPr lang="de-DE" sz="2800" dirty="0">
-                <a:solidFill>
-                  <a:schemeClr val="bg1"/>
-                </a:solidFill>
-                <a:ea typeface="+mn-lt"/>
-                <a:cs typeface="+mn-lt"/>
-              </a:rPr>
-              <a:t> é </a:t>
-            </a:r>
-            <a:r>
-              <a:rPr lang="de-DE" sz="2800" dirty="0" err="1">
-                <a:solidFill>
-                  <a:schemeClr val="bg1"/>
-                </a:solidFill>
-                <a:ea typeface="+mn-lt"/>
-                <a:cs typeface="+mn-lt"/>
-              </a:rPr>
-              <a:t>implantada</a:t>
-            </a:r>
-            <a:r>
-              <a:rPr lang="de-DE" sz="2800" dirty="0">
-                <a:solidFill>
-                  <a:schemeClr val="bg1"/>
-                </a:solidFill>
-                <a:ea typeface="+mn-lt"/>
-                <a:cs typeface="+mn-lt"/>
-              </a:rPr>
-              <a:t> </a:t>
-            </a:r>
-            <a:r>
-              <a:rPr lang="de-DE" sz="2800" dirty="0" err="1">
-                <a:solidFill>
-                  <a:schemeClr val="bg1"/>
-                </a:solidFill>
-                <a:ea typeface="+mn-lt"/>
-                <a:cs typeface="+mn-lt"/>
-              </a:rPr>
-              <a:t>no</a:t>
-            </a:r>
-            <a:r>
-              <a:rPr lang="de-DE" sz="2800" dirty="0">
-                <a:solidFill>
-                  <a:schemeClr val="bg1"/>
-                </a:solidFill>
-                <a:ea typeface="+mn-lt"/>
-                <a:cs typeface="+mn-lt"/>
-              </a:rPr>
-              <a:t> ambiente de “</a:t>
-            </a:r>
-            <a:r>
-              <a:rPr lang="de-DE" sz="2800" dirty="0" err="1">
-                <a:solidFill>
-                  <a:schemeClr val="bg1"/>
-                </a:solidFill>
-                <a:ea typeface="+mn-lt"/>
-                <a:cs typeface="+mn-lt"/>
-              </a:rPr>
-              <a:t>staging</a:t>
-            </a:r>
-            <a:r>
-              <a:rPr lang="de-DE" sz="2800" dirty="0">
-                <a:solidFill>
-                  <a:schemeClr val="bg1"/>
-                </a:solidFill>
-                <a:ea typeface="+mn-lt"/>
-                <a:cs typeface="+mn-lt"/>
-              </a:rPr>
-              <a:t>”(Ambiente </a:t>
-            </a:r>
-            <a:r>
-              <a:rPr lang="de-DE" sz="2800" dirty="0" err="1">
-                <a:solidFill>
-                  <a:schemeClr val="bg1"/>
-                </a:solidFill>
-                <a:ea typeface="+mn-lt"/>
-                <a:cs typeface="+mn-lt"/>
-              </a:rPr>
-              <a:t>criado</a:t>
-            </a:r>
-            <a:r>
-              <a:rPr lang="de-DE" sz="2800" dirty="0">
-                <a:solidFill>
-                  <a:schemeClr val="bg1"/>
-                </a:solidFill>
-                <a:ea typeface="+mn-lt"/>
-                <a:cs typeface="+mn-lt"/>
-              </a:rPr>
-              <a:t> </a:t>
-            </a:r>
-            <a:r>
-              <a:rPr lang="de-DE" sz="2800" dirty="0" err="1">
-                <a:solidFill>
-                  <a:schemeClr val="bg1"/>
-                </a:solidFill>
-                <a:ea typeface="+mn-lt"/>
-                <a:cs typeface="+mn-lt"/>
-              </a:rPr>
-              <a:t>com</a:t>
-            </a:r>
-            <a:r>
-              <a:rPr lang="de-DE" sz="2800" dirty="0">
-                <a:solidFill>
-                  <a:schemeClr val="bg1"/>
-                </a:solidFill>
-                <a:ea typeface="+mn-lt"/>
-                <a:cs typeface="+mn-lt"/>
-              </a:rPr>
-              <a:t> </a:t>
-            </a:r>
-            <a:r>
-              <a:rPr lang="de-DE" sz="2800" dirty="0" err="1">
-                <a:solidFill>
-                  <a:schemeClr val="bg1"/>
-                </a:solidFill>
-                <a:ea typeface="+mn-lt"/>
-                <a:cs typeface="+mn-lt"/>
-              </a:rPr>
-              <a:t>as</a:t>
-            </a:r>
-            <a:r>
-              <a:rPr lang="de-DE" sz="2800" dirty="0">
-                <a:solidFill>
-                  <a:schemeClr val="bg1"/>
-                </a:solidFill>
-                <a:ea typeface="+mn-lt"/>
-                <a:cs typeface="+mn-lt"/>
-              </a:rPr>
-              <a:t> </a:t>
-            </a:r>
-            <a:r>
-              <a:rPr lang="de-DE" sz="2800" dirty="0" err="1">
-                <a:solidFill>
-                  <a:schemeClr val="bg1"/>
-                </a:solidFill>
-                <a:ea typeface="+mn-lt"/>
-                <a:cs typeface="+mn-lt"/>
-              </a:rPr>
-              <a:t>alterações</a:t>
-            </a:r>
-            <a:r>
-              <a:rPr lang="de-DE" sz="2800" dirty="0">
-                <a:solidFill>
-                  <a:schemeClr val="bg1"/>
-                </a:solidFill>
-                <a:ea typeface="+mn-lt"/>
-                <a:cs typeface="+mn-lt"/>
-              </a:rPr>
-              <a:t> </a:t>
-            </a:r>
-            <a:r>
-              <a:rPr lang="de-DE" sz="2800" dirty="0" err="1">
-                <a:solidFill>
-                  <a:schemeClr val="bg1"/>
-                </a:solidFill>
-                <a:ea typeface="+mn-lt"/>
-                <a:cs typeface="+mn-lt"/>
-              </a:rPr>
-              <a:t>desenvolvidas</a:t>
-            </a:r>
-            <a:r>
-              <a:rPr lang="de-DE" sz="2800" dirty="0">
-                <a:solidFill>
-                  <a:schemeClr val="bg1"/>
-                </a:solidFill>
-                <a:ea typeface="+mn-lt"/>
-                <a:cs typeface="+mn-lt"/>
-              </a:rPr>
-              <a:t>, </a:t>
-            </a:r>
-            <a:r>
-              <a:rPr lang="de-DE" sz="2800" dirty="0" err="1">
-                <a:solidFill>
-                  <a:schemeClr val="bg1"/>
-                </a:solidFill>
-                <a:ea typeface="+mn-lt"/>
-                <a:cs typeface="+mn-lt"/>
-              </a:rPr>
-              <a:t>cada</a:t>
-            </a:r>
-            <a:r>
-              <a:rPr lang="de-DE" sz="2800" dirty="0">
-                <a:solidFill>
-                  <a:schemeClr val="bg1"/>
-                </a:solidFill>
-                <a:ea typeface="+mn-lt"/>
-                <a:cs typeface="+mn-lt"/>
-              </a:rPr>
-              <a:t> </a:t>
-            </a:r>
-            <a:r>
-              <a:rPr lang="de-DE" sz="2800" dirty="0" err="1">
-                <a:solidFill>
-                  <a:schemeClr val="bg1"/>
-                </a:solidFill>
-                <a:ea typeface="+mn-lt"/>
-                <a:cs typeface="+mn-lt"/>
-              </a:rPr>
-              <a:t>empresa</a:t>
-            </a:r>
-            <a:r>
-              <a:rPr lang="de-DE" sz="2800" dirty="0">
-                <a:solidFill>
-                  <a:schemeClr val="bg1"/>
-                </a:solidFill>
-                <a:ea typeface="+mn-lt"/>
-                <a:cs typeface="+mn-lt"/>
-              </a:rPr>
-              <a:t> </a:t>
-            </a:r>
-            <a:r>
-              <a:rPr lang="de-DE" sz="2800" dirty="0" err="1">
-                <a:solidFill>
-                  <a:schemeClr val="bg1"/>
-                </a:solidFill>
-                <a:ea typeface="+mn-lt"/>
-                <a:cs typeface="+mn-lt"/>
-              </a:rPr>
-              <a:t>adota</a:t>
-            </a:r>
-            <a:r>
-              <a:rPr lang="de-DE" sz="2800" dirty="0">
-                <a:solidFill>
-                  <a:schemeClr val="bg1"/>
-                </a:solidFill>
-                <a:ea typeface="+mn-lt"/>
-                <a:cs typeface="+mn-lt"/>
-              </a:rPr>
-              <a:t> um </a:t>
-            </a:r>
-            <a:r>
-              <a:rPr lang="de-DE" sz="2800" dirty="0" err="1">
-                <a:solidFill>
-                  <a:schemeClr val="bg1"/>
-                </a:solidFill>
-                <a:ea typeface="+mn-lt"/>
-                <a:cs typeface="+mn-lt"/>
-              </a:rPr>
-              <a:t>nome</a:t>
-            </a:r>
-            <a:r>
-              <a:rPr lang="de-DE" sz="2800" dirty="0">
-                <a:solidFill>
-                  <a:schemeClr val="bg1"/>
-                </a:solidFill>
-                <a:ea typeface="+mn-lt"/>
-                <a:cs typeface="+mn-lt"/>
-              </a:rPr>
-              <a:t>).</a:t>
+              <a:t>Permite avançar com segurança para testes mais detalhados.</a:t>
             </a:r>
             <a:endParaRPr lang="pt-BR" dirty="0">
               <a:solidFill>
@@ -8652,1441 +8116,77 @@
           <a:lstStyle/>
           <a:p>
             <a:r>
-              <a:rPr lang="de-DE" dirty="0">
+              <a:rPr lang="pt-BR" dirty="0">
                 <a:solidFill>
-                  <a:srgbClr val="FFFFFF"/>
+                  <a:schemeClr val="bg1"/>
                 </a:solidFill>
-                <a:ea typeface="+mn-lt"/>
-                <a:cs typeface="+mn-lt"/>
               </a:rPr>
-              <a:t>Testes de </a:t>
-            </a:r>
-            <a:r>
-              <a:rPr lang="de-DE" dirty="0" err="1">
+              <a:t>Os testes de fumaça verificam rapidamente as funcionalidades básicas do aplicativo.</a:t>
+            </a:r>
+            <a:br>
+              <a:rPr lang="pt-BR" dirty="0">
                 <a:solidFill>
-                  <a:srgbClr val="FFFFFF"/>
+                  <a:schemeClr val="bg1"/>
                 </a:solidFill>
-                <a:ea typeface="+mn-lt"/>
-                <a:cs typeface="+mn-lt"/>
               </a:rPr>
-              <a:t>fumaça</a:t>
-            </a:r>
-            <a:r>
-              <a:rPr lang="de-DE" dirty="0">
+            </a:br>
+            <a:r>
+              <a:rPr lang="pt-BR" dirty="0">
                 <a:solidFill>
-                  <a:srgbClr val="FFFFFF"/>
+                  <a:schemeClr val="bg1"/>
                 </a:solidFill>
-                <a:ea typeface="+mn-lt"/>
-                <a:cs typeface="+mn-lt"/>
               </a:rPr>
-              <a:t> </a:t>
-            </a:r>
-            <a:r>
-              <a:rPr lang="de-DE" dirty="0" err="1">
+              <a:t>Garantem que as principais características do sistema funcionem como esperado.</a:t>
+            </a:r>
+            <a:br>
+              <a:rPr lang="pt-BR" dirty="0">
                 <a:solidFill>
-                  <a:srgbClr val="FFFFFF"/>
+                  <a:schemeClr val="bg1"/>
                 </a:solidFill>
-                <a:ea typeface="+mn-lt"/>
-                <a:cs typeface="+mn-lt"/>
               </a:rPr>
-              <a:t>são</a:t>
-            </a:r>
-            <a:r>
-              <a:rPr lang="de-DE" dirty="0">
+            </a:br>
+            <a:r>
+              <a:rPr lang="pt-BR" dirty="0">
                 <a:solidFill>
-                  <a:srgbClr val="FFFFFF"/>
+                  <a:schemeClr val="bg1"/>
                 </a:solidFill>
-                <a:ea typeface="+mn-lt"/>
-                <a:cs typeface="+mn-lt"/>
               </a:rPr>
-              <a:t> </a:t>
-            </a:r>
-            <a:r>
-              <a:rPr lang="de-DE" dirty="0" err="1">
+              <a:t>São usados após novas compilações ou implantações para decidir próximos testes.</a:t>
+            </a:r>
+            <a:br>
+              <a:rPr lang="pt-BR" dirty="0">
                 <a:solidFill>
-                  <a:srgbClr val="FFFFFF"/>
+                  <a:schemeClr val="bg1"/>
                 </a:solidFill>
-                <a:ea typeface="+mn-lt"/>
-                <a:cs typeface="+mn-lt"/>
               </a:rPr>
-              <a:t>testes</a:t>
-            </a:r>
-            <a:r>
-              <a:rPr lang="de-DE" dirty="0">
+            </a:br>
+            <a:r>
+              <a:rPr lang="pt-BR" dirty="0">
                 <a:solidFill>
-                  <a:srgbClr val="FFFFFF"/>
+                  <a:schemeClr val="bg1"/>
                 </a:solidFill>
-                <a:ea typeface="+mn-lt"/>
-                <a:cs typeface="+mn-lt"/>
               </a:rPr>
-              <a:t> </a:t>
-            </a:r>
-            <a:r>
-              <a:rPr lang="de-DE" dirty="0" err="1">
+              <a:t>Podem ser realizados </a:t>
+            </a:r>
+            <a:r>
+              <a:rPr lang="pt-BR" u="sng" dirty="0">
                 <a:solidFill>
-                  <a:srgbClr val="FFFFFF"/>
+                  <a:schemeClr val="bg1"/>
                 </a:solidFill>
-                <a:ea typeface="+mn-lt"/>
-                <a:cs typeface="+mn-lt"/>
-              </a:rPr>
-              <a:t>básicos</a:t>
-            </a:r>
-            <a:r>
-              <a:rPr lang="de-DE" dirty="0">
-                <a:solidFill>
-                  <a:srgbClr val="FFFFFF"/>
-                </a:solidFill>
-                <a:ea typeface="+mn-lt"/>
-                <a:cs typeface="+mn-lt"/>
-              </a:rPr>
-              <a:t> </a:t>
-            </a:r>
-            <a:r>
-              <a:rPr lang="de-DE" dirty="0" err="1">
-                <a:solidFill>
-                  <a:srgbClr val="FFFFFF"/>
-                </a:solidFill>
-                <a:ea typeface="+mn-lt"/>
-                <a:cs typeface="+mn-lt"/>
-              </a:rPr>
-              <a:t>que</a:t>
-            </a:r>
-            <a:r>
-              <a:rPr lang="de-DE" dirty="0">
-                <a:solidFill>
-                  <a:srgbClr val="FFFFFF"/>
-                </a:solidFill>
-                <a:ea typeface="+mn-lt"/>
-                <a:cs typeface="+mn-lt"/>
-              </a:rPr>
-              <a:t> </a:t>
-            </a:r>
-            <a:r>
-              <a:rPr lang="de-DE" dirty="0" err="1">
-                <a:solidFill>
-                  <a:srgbClr val="FFFFFF"/>
-                </a:solidFill>
-                <a:ea typeface="+mn-lt"/>
-                <a:cs typeface="+mn-lt"/>
-              </a:rPr>
-              <a:t>verificam</a:t>
-            </a:r>
-            <a:r>
-              <a:rPr lang="de-DE" dirty="0">
-                <a:solidFill>
-                  <a:srgbClr val="FFFFFF"/>
-                </a:solidFill>
-                <a:ea typeface="+mn-lt"/>
-                <a:cs typeface="+mn-lt"/>
-              </a:rPr>
-              <a:t> </a:t>
-            </a:r>
-            <a:r>
-              <a:rPr lang="de-DE" dirty="0" err="1">
-                <a:solidFill>
-                  <a:srgbClr val="FFFFFF"/>
-                </a:solidFill>
-                <a:ea typeface="+mn-lt"/>
-                <a:cs typeface="+mn-lt"/>
-              </a:rPr>
-              <a:t>as</a:t>
-            </a:r>
-            <a:r>
-              <a:rPr lang="de-DE" dirty="0">
-                <a:solidFill>
-                  <a:srgbClr val="FFFFFF"/>
-                </a:solidFill>
-                <a:ea typeface="+mn-lt"/>
-                <a:cs typeface="+mn-lt"/>
-              </a:rPr>
-              <a:t> </a:t>
-            </a:r>
-            <a:r>
-              <a:rPr lang="de-DE" dirty="0" err="1">
-                <a:solidFill>
-                  <a:srgbClr val="FFFFFF"/>
-                </a:solidFill>
-                <a:ea typeface="+mn-lt"/>
-                <a:cs typeface="+mn-lt"/>
-              </a:rPr>
-              <a:t>funcionalidades</a:t>
-            </a:r>
-            <a:r>
-              <a:rPr lang="de-DE" dirty="0">
-                <a:solidFill>
-                  <a:srgbClr val="FFFFFF"/>
-                </a:solidFill>
-                <a:ea typeface="+mn-lt"/>
-                <a:cs typeface="+mn-lt"/>
-              </a:rPr>
-              <a:t> </a:t>
-            </a:r>
-            <a:r>
-              <a:rPr lang="de-DE" dirty="0" err="1">
-                <a:solidFill>
-                  <a:srgbClr val="FFFFFF"/>
-                </a:solidFill>
-                <a:ea typeface="+mn-lt"/>
-                <a:cs typeface="+mn-lt"/>
-              </a:rPr>
-              <a:t>básicas</a:t>
-            </a:r>
-            <a:r>
-              <a:rPr lang="de-DE" dirty="0">
-                <a:solidFill>
-                  <a:srgbClr val="FFFFFF"/>
-                </a:solidFill>
-                <a:ea typeface="+mn-lt"/>
-                <a:cs typeface="+mn-lt"/>
-              </a:rPr>
-              <a:t> do </a:t>
-            </a:r>
-            <a:r>
-              <a:rPr lang="de-DE" dirty="0" err="1">
-                <a:solidFill>
-                  <a:srgbClr val="FFFFFF"/>
-                </a:solidFill>
-                <a:ea typeface="+mn-lt"/>
-                <a:cs typeface="+mn-lt"/>
-              </a:rPr>
-              <a:t>aplicativo</a:t>
-            </a:r>
-            <a:r>
-              <a:rPr lang="de-DE" dirty="0">
-                <a:solidFill>
-                  <a:srgbClr val="FFFFFF"/>
-                </a:solidFill>
-                <a:ea typeface="+mn-lt"/>
-                <a:cs typeface="+mn-lt"/>
-              </a:rPr>
-              <a:t>. </a:t>
-            </a:r>
-            <a:r>
-              <a:rPr lang="de-DE" dirty="0" err="1">
-                <a:solidFill>
-                  <a:srgbClr val="FFFFFF"/>
-                </a:solidFill>
-                <a:ea typeface="+mn-lt"/>
-                <a:cs typeface="+mn-lt"/>
-              </a:rPr>
-              <a:t>Eles</a:t>
-            </a:r>
-            <a:r>
-              <a:rPr lang="de-DE" dirty="0">
-                <a:solidFill>
-                  <a:srgbClr val="FFFFFF"/>
-                </a:solidFill>
-                <a:ea typeface="+mn-lt"/>
-                <a:cs typeface="+mn-lt"/>
-              </a:rPr>
-              <a:t> </a:t>
-            </a:r>
-            <a:r>
-              <a:rPr lang="de-DE" dirty="0" err="1">
-                <a:solidFill>
-                  <a:srgbClr val="FFFFFF"/>
-                </a:solidFill>
-                <a:ea typeface="+mn-lt"/>
-                <a:cs typeface="+mn-lt"/>
-              </a:rPr>
-              <a:t>devem</a:t>
-            </a:r>
-            <a:r>
-              <a:rPr lang="de-DE" dirty="0">
-                <a:solidFill>
-                  <a:srgbClr val="FFFFFF"/>
-                </a:solidFill>
-                <a:ea typeface="+mn-lt"/>
-                <a:cs typeface="+mn-lt"/>
-              </a:rPr>
-              <a:t> </a:t>
-            </a:r>
-            <a:r>
-              <a:rPr lang="de-DE" dirty="0" err="1">
-                <a:solidFill>
-                  <a:srgbClr val="FFFFFF"/>
-                </a:solidFill>
-                <a:ea typeface="+mn-lt"/>
-                <a:cs typeface="+mn-lt"/>
-              </a:rPr>
-              <a:t>ser</a:t>
-            </a:r>
-            <a:r>
-              <a:rPr lang="de-DE" dirty="0">
-                <a:solidFill>
-                  <a:srgbClr val="FFFFFF"/>
-                </a:solidFill>
-                <a:ea typeface="+mn-lt"/>
-                <a:cs typeface="+mn-lt"/>
-              </a:rPr>
-              <a:t> </a:t>
-            </a:r>
-            <a:r>
-              <a:rPr lang="de-DE" dirty="0" err="1">
-                <a:solidFill>
-                  <a:srgbClr val="FFFFFF"/>
-                </a:solidFill>
-                <a:ea typeface="+mn-lt"/>
-                <a:cs typeface="+mn-lt"/>
-              </a:rPr>
-              <a:t>rápidos</a:t>
-            </a:r>
-            <a:r>
-              <a:rPr lang="de-DE" dirty="0">
-                <a:solidFill>
-                  <a:srgbClr val="FFFFFF"/>
-                </a:solidFill>
-                <a:ea typeface="+mn-lt"/>
-                <a:cs typeface="+mn-lt"/>
-              </a:rPr>
-              <a:t> </a:t>
-            </a:r>
-            <a:r>
-              <a:rPr lang="de-DE" dirty="0" err="1">
-                <a:solidFill>
-                  <a:srgbClr val="FFFFFF"/>
-                </a:solidFill>
-                <a:ea typeface="+mn-lt"/>
-                <a:cs typeface="+mn-lt"/>
-              </a:rPr>
-              <a:t>para</a:t>
-            </a:r>
-            <a:r>
-              <a:rPr lang="de-DE" dirty="0">
-                <a:solidFill>
-                  <a:srgbClr val="FFFFFF"/>
-                </a:solidFill>
-                <a:ea typeface="+mn-lt"/>
-                <a:cs typeface="+mn-lt"/>
-              </a:rPr>
-              <a:t> </a:t>
-            </a:r>
-            <a:r>
-              <a:rPr lang="de-DE" dirty="0" err="1">
-                <a:solidFill>
-                  <a:srgbClr val="FFFFFF"/>
-                </a:solidFill>
-                <a:ea typeface="+mn-lt"/>
-                <a:cs typeface="+mn-lt"/>
-              </a:rPr>
-              <a:t>executar</a:t>
-            </a:r>
-            <a:r>
-              <a:rPr lang="de-DE" dirty="0">
-                <a:solidFill>
-                  <a:srgbClr val="FFFFFF"/>
-                </a:solidFill>
-                <a:ea typeface="+mn-lt"/>
-                <a:cs typeface="+mn-lt"/>
-              </a:rPr>
-              <a:t>, e </a:t>
-            </a:r>
-            <a:r>
-              <a:rPr lang="de-DE" dirty="0" err="1">
-                <a:solidFill>
-                  <a:srgbClr val="FFFFFF"/>
-                </a:solidFill>
-                <a:ea typeface="+mn-lt"/>
-                <a:cs typeface="+mn-lt"/>
-              </a:rPr>
-              <a:t>seu</a:t>
-            </a:r>
-            <a:r>
-              <a:rPr lang="de-DE" dirty="0">
-                <a:solidFill>
-                  <a:srgbClr val="FFFFFF"/>
-                </a:solidFill>
-                <a:ea typeface="+mn-lt"/>
-                <a:cs typeface="+mn-lt"/>
-              </a:rPr>
-              <a:t> </a:t>
-            </a:r>
-            <a:r>
-              <a:rPr lang="de-DE" dirty="0" err="1">
-                <a:solidFill>
-                  <a:srgbClr val="FFFFFF"/>
-                </a:solidFill>
-                <a:ea typeface="+mn-lt"/>
-                <a:cs typeface="+mn-lt"/>
-              </a:rPr>
-              <a:t>objetivo</a:t>
-            </a:r>
-            <a:r>
-              <a:rPr lang="de-DE" dirty="0">
-                <a:solidFill>
-                  <a:srgbClr val="FFFFFF"/>
-                </a:solidFill>
-                <a:ea typeface="+mn-lt"/>
-                <a:cs typeface="+mn-lt"/>
-              </a:rPr>
-              <a:t> é dar-</a:t>
-            </a:r>
-            <a:r>
-              <a:rPr lang="de-DE" dirty="0" err="1">
-                <a:solidFill>
-                  <a:srgbClr val="FFFFFF"/>
-                </a:solidFill>
-                <a:ea typeface="+mn-lt"/>
-                <a:cs typeface="+mn-lt"/>
-              </a:rPr>
-              <a:t>lhe</a:t>
-            </a:r>
-            <a:r>
-              <a:rPr lang="de-DE" dirty="0">
-                <a:solidFill>
-                  <a:srgbClr val="FFFFFF"/>
-                </a:solidFill>
-                <a:ea typeface="+mn-lt"/>
-                <a:cs typeface="+mn-lt"/>
-              </a:rPr>
-              <a:t> a </a:t>
-            </a:r>
-            <a:r>
-              <a:rPr lang="de-DE" dirty="0" err="1">
-                <a:solidFill>
-                  <a:srgbClr val="FFFFFF"/>
-                </a:solidFill>
-                <a:ea typeface="+mn-lt"/>
-                <a:cs typeface="+mn-lt"/>
-              </a:rPr>
-              <a:t>garantia</a:t>
-            </a:r>
-            <a:r>
-              <a:rPr lang="de-DE" dirty="0">
-                <a:solidFill>
-                  <a:srgbClr val="FFFFFF"/>
-                </a:solidFill>
-                <a:ea typeface="+mn-lt"/>
-                <a:cs typeface="+mn-lt"/>
-              </a:rPr>
-              <a:t> de </a:t>
-            </a:r>
-            <a:r>
-              <a:rPr lang="de-DE" dirty="0" err="1">
-                <a:solidFill>
-                  <a:srgbClr val="FFFFFF"/>
-                </a:solidFill>
-                <a:ea typeface="+mn-lt"/>
-                <a:cs typeface="+mn-lt"/>
-              </a:rPr>
-              <a:t>que</a:t>
-            </a:r>
-            <a:r>
-              <a:rPr lang="de-DE" dirty="0">
-                <a:solidFill>
-                  <a:srgbClr val="FFFFFF"/>
-                </a:solidFill>
-                <a:ea typeface="+mn-lt"/>
-                <a:cs typeface="+mn-lt"/>
-              </a:rPr>
-              <a:t> </a:t>
-            </a:r>
-            <a:r>
-              <a:rPr lang="de-DE" dirty="0" err="1">
-                <a:solidFill>
-                  <a:srgbClr val="FFFFFF"/>
-                </a:solidFill>
-                <a:ea typeface="+mn-lt"/>
-                <a:cs typeface="+mn-lt"/>
-              </a:rPr>
-              <a:t>as</a:t>
-            </a:r>
-            <a:r>
-              <a:rPr lang="de-DE" dirty="0">
-                <a:solidFill>
-                  <a:srgbClr val="FFFFFF"/>
-                </a:solidFill>
-                <a:ea typeface="+mn-lt"/>
-                <a:cs typeface="+mn-lt"/>
-              </a:rPr>
-              <a:t> </a:t>
-            </a:r>
-            <a:r>
-              <a:rPr lang="de-DE" dirty="0" err="1">
-                <a:solidFill>
-                  <a:srgbClr val="FFFFFF"/>
-                </a:solidFill>
-                <a:ea typeface="+mn-lt"/>
-                <a:cs typeface="+mn-lt"/>
-              </a:rPr>
-              <a:t>principais</a:t>
-            </a:r>
-            <a:r>
-              <a:rPr lang="de-DE" dirty="0">
-                <a:solidFill>
-                  <a:srgbClr val="FFFFFF"/>
-                </a:solidFill>
-                <a:ea typeface="+mn-lt"/>
-                <a:cs typeface="+mn-lt"/>
-              </a:rPr>
-              <a:t> </a:t>
-            </a:r>
-            <a:r>
-              <a:rPr lang="de-DE" dirty="0" err="1">
-                <a:solidFill>
-                  <a:srgbClr val="FFFFFF"/>
-                </a:solidFill>
-                <a:ea typeface="+mn-lt"/>
-                <a:cs typeface="+mn-lt"/>
-              </a:rPr>
-              <a:t>características</a:t>
-            </a:r>
-            <a:r>
-              <a:rPr lang="de-DE" dirty="0">
-                <a:solidFill>
-                  <a:srgbClr val="FFFFFF"/>
-                </a:solidFill>
-                <a:ea typeface="+mn-lt"/>
-                <a:cs typeface="+mn-lt"/>
-              </a:rPr>
-              <a:t> do </a:t>
-            </a:r>
-            <a:r>
-              <a:rPr lang="de-DE" dirty="0" err="1">
-                <a:solidFill>
-                  <a:srgbClr val="FFFFFF"/>
-                </a:solidFill>
-                <a:ea typeface="+mn-lt"/>
-                <a:cs typeface="+mn-lt"/>
-              </a:rPr>
-              <a:t>seu</a:t>
-            </a:r>
-            <a:r>
-              <a:rPr lang="de-DE" dirty="0">
-                <a:solidFill>
-                  <a:srgbClr val="FFFFFF"/>
-                </a:solidFill>
-                <a:ea typeface="+mn-lt"/>
-                <a:cs typeface="+mn-lt"/>
-              </a:rPr>
-              <a:t> </a:t>
-            </a:r>
-            <a:r>
-              <a:rPr lang="de-DE" dirty="0" err="1">
-                <a:solidFill>
-                  <a:srgbClr val="FFFFFF"/>
-                </a:solidFill>
-                <a:ea typeface="+mn-lt"/>
-                <a:cs typeface="+mn-lt"/>
-              </a:rPr>
-              <a:t>sistema</a:t>
-            </a:r>
-            <a:r>
-              <a:rPr lang="de-DE" dirty="0">
-                <a:solidFill>
-                  <a:srgbClr val="FFFFFF"/>
-                </a:solidFill>
-                <a:ea typeface="+mn-lt"/>
-                <a:cs typeface="+mn-lt"/>
-              </a:rPr>
-              <a:t> </a:t>
-            </a:r>
-            <a:r>
-              <a:rPr lang="de-DE" dirty="0" err="1">
-                <a:solidFill>
-                  <a:srgbClr val="FFFFFF"/>
-                </a:solidFill>
-                <a:ea typeface="+mn-lt"/>
-                <a:cs typeface="+mn-lt"/>
-              </a:rPr>
-              <a:t>estão</a:t>
-            </a:r>
-            <a:r>
-              <a:rPr lang="de-DE" dirty="0">
-                <a:solidFill>
-                  <a:srgbClr val="FFFFFF"/>
-                </a:solidFill>
-                <a:ea typeface="+mn-lt"/>
-                <a:cs typeface="+mn-lt"/>
-              </a:rPr>
-              <a:t> </a:t>
-            </a:r>
-            <a:r>
-              <a:rPr lang="de-DE" dirty="0" err="1">
-                <a:solidFill>
-                  <a:srgbClr val="FFFFFF"/>
-                </a:solidFill>
-                <a:ea typeface="+mn-lt"/>
-                <a:cs typeface="+mn-lt"/>
-              </a:rPr>
-              <a:t>funcionando</a:t>
-            </a:r>
-            <a:r>
-              <a:rPr lang="de-DE" dirty="0">
-                <a:solidFill>
-                  <a:srgbClr val="FFFFFF"/>
-                </a:solidFill>
-                <a:ea typeface="+mn-lt"/>
-                <a:cs typeface="+mn-lt"/>
-              </a:rPr>
-              <a:t> </a:t>
-            </a:r>
-            <a:r>
-              <a:rPr lang="de-DE" dirty="0" err="1">
-                <a:solidFill>
-                  <a:srgbClr val="FFFFFF"/>
-                </a:solidFill>
-                <a:ea typeface="+mn-lt"/>
-                <a:cs typeface="+mn-lt"/>
-              </a:rPr>
-              <a:t>como</a:t>
-            </a:r>
-            <a:r>
-              <a:rPr lang="de-DE" dirty="0">
-                <a:solidFill>
-                  <a:srgbClr val="FFFFFF"/>
-                </a:solidFill>
-                <a:ea typeface="+mn-lt"/>
-                <a:cs typeface="+mn-lt"/>
-              </a:rPr>
-              <a:t> </a:t>
-            </a:r>
-            <a:r>
-              <a:rPr lang="de-DE" dirty="0" err="1">
-                <a:solidFill>
-                  <a:srgbClr val="FFFFFF"/>
-                </a:solidFill>
-                <a:ea typeface="+mn-lt"/>
-                <a:cs typeface="+mn-lt"/>
-              </a:rPr>
-              <a:t>esperado</a:t>
-            </a:r>
-            <a:r>
-              <a:rPr lang="de-DE" dirty="0">
-                <a:solidFill>
-                  <a:srgbClr val="FFFFFF"/>
-                </a:solidFill>
-                <a:ea typeface="+mn-lt"/>
-                <a:cs typeface="+mn-lt"/>
-              </a:rPr>
-              <a:t>. </a:t>
-            </a:r>
-            <a:r>
-              <a:rPr lang="de-DE" dirty="0" err="1">
-                <a:solidFill>
-                  <a:srgbClr val="FFFFFF"/>
-                </a:solidFill>
-                <a:ea typeface="+mn-lt"/>
-                <a:cs typeface="+mn-lt"/>
-              </a:rPr>
-              <a:t>Podem</a:t>
-            </a:r>
-            <a:r>
-              <a:rPr lang="de-DE" dirty="0">
-                <a:solidFill>
-                  <a:srgbClr val="FFFFFF"/>
-                </a:solidFill>
-                <a:ea typeface="+mn-lt"/>
-                <a:cs typeface="+mn-lt"/>
-              </a:rPr>
-              <a:t> </a:t>
-            </a:r>
-            <a:r>
-              <a:rPr lang="de-DE" dirty="0" err="1">
-                <a:solidFill>
-                  <a:srgbClr val="FFFFFF"/>
-                </a:solidFill>
-                <a:ea typeface="+mn-lt"/>
-                <a:cs typeface="+mn-lt"/>
-              </a:rPr>
-              <a:t>ser</a:t>
-            </a:r>
-            <a:r>
-              <a:rPr lang="de-DE" dirty="0">
-                <a:solidFill>
-                  <a:srgbClr val="FFFFFF"/>
-                </a:solidFill>
-                <a:ea typeface="+mn-lt"/>
-                <a:cs typeface="+mn-lt"/>
-              </a:rPr>
-              <a:t> </a:t>
-            </a:r>
-            <a:r>
-              <a:rPr lang="de-DE" dirty="0" err="1">
-                <a:solidFill>
-                  <a:srgbClr val="FFFFFF"/>
-                </a:solidFill>
-                <a:ea typeface="+mn-lt"/>
-                <a:cs typeface="+mn-lt"/>
-              </a:rPr>
-              <a:t>úteis</a:t>
-            </a:r>
-            <a:r>
-              <a:rPr lang="de-DE" dirty="0">
-                <a:solidFill>
-                  <a:srgbClr val="FFFFFF"/>
-                </a:solidFill>
-                <a:ea typeface="+mn-lt"/>
-                <a:cs typeface="+mn-lt"/>
-              </a:rPr>
-              <a:t> logo </a:t>
-            </a:r>
-            <a:r>
-              <a:rPr lang="de-DE" dirty="0" err="1">
-                <a:solidFill>
-                  <a:srgbClr val="FFFFFF"/>
-                </a:solidFill>
-                <a:ea typeface="+mn-lt"/>
-                <a:cs typeface="+mn-lt"/>
-              </a:rPr>
-              <a:t>após</a:t>
-            </a:r>
-            <a:r>
-              <a:rPr lang="de-DE" dirty="0">
-                <a:solidFill>
-                  <a:srgbClr val="FFFFFF"/>
-                </a:solidFill>
-                <a:ea typeface="+mn-lt"/>
-                <a:cs typeface="+mn-lt"/>
-              </a:rPr>
-              <a:t> </a:t>
-            </a:r>
-            <a:r>
-              <a:rPr lang="de-DE" dirty="0" err="1">
-                <a:solidFill>
-                  <a:srgbClr val="FFFFFF"/>
-                </a:solidFill>
-                <a:ea typeface="+mn-lt"/>
-                <a:cs typeface="+mn-lt"/>
-              </a:rPr>
-              <a:t>uma</a:t>
-            </a:r>
-            <a:r>
-              <a:rPr lang="de-DE" dirty="0">
-                <a:solidFill>
-                  <a:srgbClr val="FFFFFF"/>
-                </a:solidFill>
-                <a:ea typeface="+mn-lt"/>
-                <a:cs typeface="+mn-lt"/>
-              </a:rPr>
-              <a:t> </a:t>
-            </a:r>
-            <a:r>
-              <a:rPr lang="de-DE" dirty="0" err="1">
-                <a:solidFill>
-                  <a:srgbClr val="FFFFFF"/>
-                </a:solidFill>
-                <a:ea typeface="+mn-lt"/>
-                <a:cs typeface="+mn-lt"/>
-              </a:rPr>
-              <a:t>nova</a:t>
-            </a:r>
-            <a:r>
-              <a:rPr lang="de-DE" dirty="0">
-                <a:solidFill>
-                  <a:srgbClr val="FFFFFF"/>
-                </a:solidFill>
-                <a:ea typeface="+mn-lt"/>
-                <a:cs typeface="+mn-lt"/>
-              </a:rPr>
-              <a:t> </a:t>
-            </a:r>
-            <a:r>
-              <a:rPr lang="de-DE" dirty="0" err="1">
-                <a:solidFill>
-                  <a:srgbClr val="FFFFFF"/>
-                </a:solidFill>
-                <a:ea typeface="+mn-lt"/>
-                <a:cs typeface="+mn-lt"/>
-              </a:rPr>
-              <a:t>compilação</a:t>
-            </a:r>
-            <a:r>
-              <a:rPr lang="de-DE" dirty="0">
-                <a:solidFill>
-                  <a:srgbClr val="FFFFFF"/>
-                </a:solidFill>
-                <a:ea typeface="+mn-lt"/>
-                <a:cs typeface="+mn-lt"/>
-              </a:rPr>
-              <a:t> </a:t>
-            </a:r>
-            <a:r>
-              <a:rPr lang="de-DE" dirty="0" err="1">
-                <a:solidFill>
-                  <a:srgbClr val="FFFFFF"/>
-                </a:solidFill>
-                <a:ea typeface="+mn-lt"/>
-                <a:cs typeface="+mn-lt"/>
-              </a:rPr>
-              <a:t>ser</a:t>
-            </a:r>
-            <a:r>
-              <a:rPr lang="de-DE" dirty="0">
-                <a:solidFill>
-                  <a:srgbClr val="FFFFFF"/>
-                </a:solidFill>
-                <a:ea typeface="+mn-lt"/>
-                <a:cs typeface="+mn-lt"/>
-              </a:rPr>
-              <a:t> </a:t>
-            </a:r>
-            <a:r>
-              <a:rPr lang="de-DE" dirty="0" err="1">
-                <a:solidFill>
-                  <a:srgbClr val="FFFFFF"/>
-                </a:solidFill>
-                <a:ea typeface="+mn-lt"/>
-                <a:cs typeface="+mn-lt"/>
-              </a:rPr>
-              <a:t>feita</a:t>
-            </a:r>
-            <a:r>
-              <a:rPr lang="de-DE" dirty="0">
-                <a:solidFill>
-                  <a:srgbClr val="FFFFFF"/>
-                </a:solidFill>
-                <a:ea typeface="+mn-lt"/>
-                <a:cs typeface="+mn-lt"/>
-              </a:rPr>
-              <a:t> </a:t>
-            </a:r>
-            <a:r>
-              <a:rPr lang="de-DE" dirty="0" err="1">
-                <a:solidFill>
-                  <a:srgbClr val="FFFFFF"/>
-                </a:solidFill>
-                <a:ea typeface="+mn-lt"/>
-                <a:cs typeface="+mn-lt"/>
-              </a:rPr>
-              <a:t>para</a:t>
-            </a:r>
-            <a:r>
-              <a:rPr lang="de-DE" dirty="0">
-                <a:solidFill>
-                  <a:srgbClr val="FFFFFF"/>
-                </a:solidFill>
-                <a:ea typeface="+mn-lt"/>
-                <a:cs typeface="+mn-lt"/>
-              </a:rPr>
-              <a:t> </a:t>
-            </a:r>
-            <a:r>
-              <a:rPr lang="de-DE" dirty="0" err="1">
-                <a:solidFill>
-                  <a:srgbClr val="FFFFFF"/>
-                </a:solidFill>
-                <a:ea typeface="+mn-lt"/>
-                <a:cs typeface="+mn-lt"/>
-              </a:rPr>
-              <a:t>decidir</a:t>
-            </a:r>
-            <a:r>
-              <a:rPr lang="de-DE" dirty="0">
-                <a:solidFill>
-                  <a:srgbClr val="FFFFFF"/>
-                </a:solidFill>
-                <a:ea typeface="+mn-lt"/>
-                <a:cs typeface="+mn-lt"/>
-              </a:rPr>
-              <a:t> se </a:t>
-            </a:r>
-            <a:r>
-              <a:rPr lang="de-DE" dirty="0" err="1">
-                <a:solidFill>
-                  <a:srgbClr val="FFFFFF"/>
-                </a:solidFill>
-                <a:ea typeface="+mn-lt"/>
-                <a:cs typeface="+mn-lt"/>
-              </a:rPr>
-              <a:t>pode</a:t>
-            </a:r>
-            <a:r>
-              <a:rPr lang="de-DE" dirty="0">
-                <a:solidFill>
-                  <a:srgbClr val="FFFFFF"/>
-                </a:solidFill>
-                <a:ea typeface="+mn-lt"/>
-                <a:cs typeface="+mn-lt"/>
-              </a:rPr>
-              <a:t> </a:t>
-            </a:r>
-            <a:r>
-              <a:rPr lang="de-DE" dirty="0" err="1">
-                <a:solidFill>
-                  <a:srgbClr val="FFFFFF"/>
-                </a:solidFill>
-                <a:ea typeface="+mn-lt"/>
-                <a:cs typeface="+mn-lt"/>
-              </a:rPr>
-              <a:t>ou</a:t>
-            </a:r>
-            <a:r>
-              <a:rPr lang="de-DE" dirty="0">
-                <a:solidFill>
-                  <a:srgbClr val="FFFFFF"/>
-                </a:solidFill>
-                <a:ea typeface="+mn-lt"/>
-                <a:cs typeface="+mn-lt"/>
-              </a:rPr>
-              <a:t> </a:t>
-            </a:r>
-            <a:r>
-              <a:rPr lang="de-DE" dirty="0" err="1">
-                <a:solidFill>
-                  <a:srgbClr val="FFFFFF"/>
-                </a:solidFill>
-                <a:ea typeface="+mn-lt"/>
-                <a:cs typeface="+mn-lt"/>
-              </a:rPr>
-              <a:t>não</a:t>
-            </a:r>
-            <a:r>
-              <a:rPr lang="de-DE" dirty="0">
-                <a:solidFill>
-                  <a:srgbClr val="FFFFFF"/>
-                </a:solidFill>
-                <a:ea typeface="+mn-lt"/>
-                <a:cs typeface="+mn-lt"/>
-              </a:rPr>
-              <a:t> </a:t>
-            </a:r>
-            <a:r>
-              <a:rPr lang="de-DE" dirty="0" err="1">
-                <a:solidFill>
-                  <a:srgbClr val="FFFFFF"/>
-                </a:solidFill>
-                <a:ea typeface="+mn-lt"/>
-                <a:cs typeface="+mn-lt"/>
-              </a:rPr>
-              <a:t>executar</a:t>
-            </a:r>
-            <a:r>
-              <a:rPr lang="de-DE" dirty="0">
-                <a:solidFill>
-                  <a:srgbClr val="FFFFFF"/>
-                </a:solidFill>
-                <a:ea typeface="+mn-lt"/>
-                <a:cs typeface="+mn-lt"/>
-              </a:rPr>
-              <a:t> </a:t>
-            </a:r>
-            <a:r>
-              <a:rPr lang="de-DE" dirty="0" err="1">
-                <a:solidFill>
-                  <a:srgbClr val="FFFFFF"/>
-                </a:solidFill>
-                <a:ea typeface="+mn-lt"/>
-                <a:cs typeface="+mn-lt"/>
-              </a:rPr>
-              <a:t>testes</a:t>
-            </a:r>
-            <a:r>
-              <a:rPr lang="de-DE" dirty="0">
-                <a:solidFill>
-                  <a:srgbClr val="FFFFFF"/>
-                </a:solidFill>
-                <a:ea typeface="+mn-lt"/>
-                <a:cs typeface="+mn-lt"/>
-              </a:rPr>
-              <a:t> </a:t>
-            </a:r>
-            <a:r>
-              <a:rPr lang="de-DE" dirty="0" err="1">
-                <a:solidFill>
-                  <a:srgbClr val="FFFFFF"/>
-                </a:solidFill>
-                <a:ea typeface="+mn-lt"/>
-                <a:cs typeface="+mn-lt"/>
-              </a:rPr>
-              <a:t>mais</a:t>
-            </a:r>
-            <a:r>
-              <a:rPr lang="de-DE" dirty="0">
-                <a:solidFill>
-                  <a:srgbClr val="FFFFFF"/>
-                </a:solidFill>
-                <a:ea typeface="+mn-lt"/>
-                <a:cs typeface="+mn-lt"/>
-              </a:rPr>
-              <a:t> </a:t>
-            </a:r>
-            <a:r>
-              <a:rPr lang="de-DE" dirty="0" err="1">
-                <a:solidFill>
-                  <a:srgbClr val="FFFFFF"/>
-                </a:solidFill>
-                <a:ea typeface="+mn-lt"/>
-                <a:cs typeface="+mn-lt"/>
-              </a:rPr>
-              <a:t>caros</a:t>
-            </a:r>
-            <a:r>
-              <a:rPr lang="de-DE" dirty="0">
-                <a:solidFill>
-                  <a:srgbClr val="FFFFFF"/>
-                </a:solidFill>
-                <a:ea typeface="+mn-lt"/>
-                <a:cs typeface="+mn-lt"/>
-              </a:rPr>
-              <a:t>, </a:t>
-            </a:r>
-            <a:r>
-              <a:rPr lang="de-DE" dirty="0" err="1">
-                <a:solidFill>
-                  <a:srgbClr val="FFFFFF"/>
-                </a:solidFill>
-                <a:ea typeface="+mn-lt"/>
-                <a:cs typeface="+mn-lt"/>
-              </a:rPr>
-              <a:t>ou</a:t>
-            </a:r>
-            <a:r>
-              <a:rPr lang="de-DE" dirty="0">
-                <a:solidFill>
-                  <a:srgbClr val="FFFFFF"/>
-                </a:solidFill>
-                <a:ea typeface="+mn-lt"/>
-                <a:cs typeface="+mn-lt"/>
-              </a:rPr>
-              <a:t> logo </a:t>
-            </a:r>
-            <a:r>
-              <a:rPr lang="de-DE" dirty="0" err="1">
-                <a:solidFill>
-                  <a:srgbClr val="FFFFFF"/>
-                </a:solidFill>
-                <a:ea typeface="+mn-lt"/>
-                <a:cs typeface="+mn-lt"/>
-              </a:rPr>
-              <a:t>após</a:t>
-            </a:r>
-            <a:r>
-              <a:rPr lang="de-DE" dirty="0">
-                <a:solidFill>
-                  <a:srgbClr val="FFFFFF"/>
-                </a:solidFill>
-                <a:ea typeface="+mn-lt"/>
-                <a:cs typeface="+mn-lt"/>
-              </a:rPr>
-              <a:t> </a:t>
-            </a:r>
-            <a:r>
-              <a:rPr lang="de-DE" dirty="0" err="1">
-                <a:solidFill>
-                  <a:srgbClr val="FFFFFF"/>
-                </a:solidFill>
-                <a:ea typeface="+mn-lt"/>
-                <a:cs typeface="+mn-lt"/>
-              </a:rPr>
-              <a:t>uma</a:t>
-            </a:r>
-            <a:r>
-              <a:rPr lang="de-DE" dirty="0">
-                <a:solidFill>
-                  <a:srgbClr val="FFFFFF"/>
-                </a:solidFill>
-                <a:ea typeface="+mn-lt"/>
-                <a:cs typeface="+mn-lt"/>
-              </a:rPr>
-              <a:t> </a:t>
-            </a:r>
-            <a:r>
-              <a:rPr lang="de-DE" dirty="0" err="1">
-                <a:solidFill>
-                  <a:srgbClr val="FFFFFF"/>
-                </a:solidFill>
-                <a:ea typeface="+mn-lt"/>
-                <a:cs typeface="+mn-lt"/>
-              </a:rPr>
-              <a:t>implantação</a:t>
-            </a:r>
-            <a:r>
-              <a:rPr lang="de-DE" dirty="0">
-                <a:solidFill>
-                  <a:srgbClr val="FFFFFF"/>
-                </a:solidFill>
-                <a:ea typeface="+mn-lt"/>
-                <a:cs typeface="+mn-lt"/>
-              </a:rPr>
-              <a:t> </a:t>
-            </a:r>
-            <a:r>
-              <a:rPr lang="de-DE" dirty="0" err="1">
-                <a:solidFill>
-                  <a:srgbClr val="FFFFFF"/>
-                </a:solidFill>
-                <a:ea typeface="+mn-lt"/>
-                <a:cs typeface="+mn-lt"/>
-              </a:rPr>
-              <a:t>para</a:t>
-            </a:r>
-            <a:r>
-              <a:rPr lang="de-DE" dirty="0">
-                <a:solidFill>
-                  <a:srgbClr val="FFFFFF"/>
-                </a:solidFill>
-                <a:ea typeface="+mn-lt"/>
-                <a:cs typeface="+mn-lt"/>
-              </a:rPr>
-              <a:t> se </a:t>
-            </a:r>
-            <a:r>
-              <a:rPr lang="de-DE" dirty="0" err="1">
-                <a:solidFill>
-                  <a:srgbClr val="FFFFFF"/>
-                </a:solidFill>
-                <a:ea typeface="+mn-lt"/>
-                <a:cs typeface="+mn-lt"/>
-              </a:rPr>
-              <a:t>certificar</a:t>
-            </a:r>
-            <a:r>
-              <a:rPr lang="de-DE" dirty="0">
-                <a:solidFill>
-                  <a:srgbClr val="FFFFFF"/>
-                </a:solidFill>
-                <a:ea typeface="+mn-lt"/>
-                <a:cs typeface="+mn-lt"/>
-              </a:rPr>
-              <a:t> de </a:t>
-            </a:r>
-            <a:r>
-              <a:rPr lang="de-DE" dirty="0" err="1">
-                <a:solidFill>
-                  <a:srgbClr val="FFFFFF"/>
-                </a:solidFill>
-                <a:ea typeface="+mn-lt"/>
-                <a:cs typeface="+mn-lt"/>
-              </a:rPr>
-              <a:t>que</a:t>
-            </a:r>
-            <a:r>
-              <a:rPr lang="de-DE" dirty="0">
-                <a:solidFill>
-                  <a:srgbClr val="FFFFFF"/>
-                </a:solidFill>
-                <a:ea typeface="+mn-lt"/>
-                <a:cs typeface="+mn-lt"/>
-              </a:rPr>
-              <a:t> o </a:t>
-            </a:r>
-            <a:r>
-              <a:rPr lang="de-DE" dirty="0" err="1">
-                <a:solidFill>
-                  <a:srgbClr val="FFFFFF"/>
-                </a:solidFill>
-                <a:ea typeface="+mn-lt"/>
-                <a:cs typeface="+mn-lt"/>
-              </a:rPr>
-              <a:t>aplicativo</a:t>
-            </a:r>
-            <a:r>
-              <a:rPr lang="de-DE" dirty="0">
-                <a:solidFill>
-                  <a:srgbClr val="FFFFFF"/>
-                </a:solidFill>
-                <a:ea typeface="+mn-lt"/>
-                <a:cs typeface="+mn-lt"/>
-              </a:rPr>
-              <a:t> </a:t>
-            </a:r>
-            <a:r>
-              <a:rPr lang="de-DE" dirty="0" err="1">
-                <a:solidFill>
-                  <a:srgbClr val="FFFFFF"/>
-                </a:solidFill>
-                <a:ea typeface="+mn-lt"/>
-                <a:cs typeface="+mn-lt"/>
-              </a:rPr>
-              <a:t>está</a:t>
-            </a:r>
-            <a:r>
-              <a:rPr lang="de-DE" dirty="0">
-                <a:solidFill>
-                  <a:srgbClr val="FFFFFF"/>
-                </a:solidFill>
-                <a:ea typeface="+mn-lt"/>
-                <a:cs typeface="+mn-lt"/>
-              </a:rPr>
-              <a:t> </a:t>
-            </a:r>
-            <a:r>
-              <a:rPr lang="de-DE" dirty="0" err="1">
-                <a:solidFill>
-                  <a:srgbClr val="FFFFFF"/>
-                </a:solidFill>
-                <a:ea typeface="+mn-lt"/>
-                <a:cs typeface="+mn-lt"/>
-              </a:rPr>
-              <a:t>funcionando</a:t>
-            </a:r>
-            <a:r>
-              <a:rPr lang="de-DE" dirty="0">
-                <a:solidFill>
-                  <a:srgbClr val="FFFFFF"/>
-                </a:solidFill>
-                <a:ea typeface="+mn-lt"/>
-                <a:cs typeface="+mn-lt"/>
-              </a:rPr>
-              <a:t> </a:t>
-            </a:r>
-            <a:r>
-              <a:rPr lang="de-DE" dirty="0" err="1">
-                <a:solidFill>
-                  <a:srgbClr val="FFFFFF"/>
-                </a:solidFill>
-                <a:ea typeface="+mn-lt"/>
-                <a:cs typeface="+mn-lt"/>
-              </a:rPr>
-              <a:t>corretamente</a:t>
-            </a:r>
-            <a:r>
-              <a:rPr lang="de-DE" dirty="0">
-                <a:solidFill>
-                  <a:srgbClr val="FFFFFF"/>
-                </a:solidFill>
-                <a:ea typeface="+mn-lt"/>
-                <a:cs typeface="+mn-lt"/>
-              </a:rPr>
-              <a:t> </a:t>
-            </a:r>
-            <a:r>
-              <a:rPr lang="de-DE" dirty="0" err="1">
-                <a:solidFill>
-                  <a:srgbClr val="FFFFFF"/>
-                </a:solidFill>
-                <a:ea typeface="+mn-lt"/>
-                <a:cs typeface="+mn-lt"/>
-              </a:rPr>
-              <a:t>no</a:t>
-            </a:r>
-            <a:r>
-              <a:rPr lang="de-DE" dirty="0">
-                <a:solidFill>
-                  <a:srgbClr val="FFFFFF"/>
-                </a:solidFill>
-                <a:ea typeface="+mn-lt"/>
-                <a:cs typeface="+mn-lt"/>
-              </a:rPr>
-              <a:t> ambiente </a:t>
-            </a:r>
-            <a:r>
-              <a:rPr lang="de-DE" dirty="0" err="1">
-                <a:solidFill>
-                  <a:srgbClr val="FFFFFF"/>
-                </a:solidFill>
-                <a:ea typeface="+mn-lt"/>
-                <a:cs typeface="+mn-lt"/>
-              </a:rPr>
-              <a:t>recém-implantado</a:t>
-            </a:r>
-            <a:r>
-              <a:rPr lang="de-DE" dirty="0">
-                <a:solidFill>
-                  <a:srgbClr val="FFFFFF"/>
-                </a:solidFill>
-                <a:ea typeface="+mn-lt"/>
-                <a:cs typeface="+mn-lt"/>
-              </a:rPr>
-              <a:t>, </a:t>
-            </a:r>
-            <a:r>
-              <a:rPr lang="de-DE" dirty="0" err="1">
-                <a:solidFill>
-                  <a:srgbClr val="FFFFFF"/>
-                </a:solidFill>
-                <a:ea typeface="+mn-lt"/>
-                <a:cs typeface="+mn-lt"/>
-              </a:rPr>
-              <a:t>podendo</a:t>
-            </a:r>
-            <a:r>
-              <a:rPr lang="de-DE" dirty="0">
-                <a:solidFill>
-                  <a:srgbClr val="FFFFFF"/>
-                </a:solidFill>
-                <a:ea typeface="+mn-lt"/>
-                <a:cs typeface="+mn-lt"/>
-              </a:rPr>
-              <a:t> </a:t>
-            </a:r>
-            <a:r>
-              <a:rPr lang="de-DE" dirty="0" err="1">
-                <a:solidFill>
-                  <a:srgbClr val="FFFFFF"/>
-                </a:solidFill>
-                <a:ea typeface="+mn-lt"/>
-                <a:cs typeface="+mn-lt"/>
-              </a:rPr>
-              <a:t>ser</a:t>
-            </a:r>
-            <a:r>
-              <a:rPr lang="de-DE" dirty="0">
-                <a:solidFill>
-                  <a:srgbClr val="FFFFFF"/>
-                </a:solidFill>
-                <a:ea typeface="+mn-lt"/>
-                <a:cs typeface="+mn-lt"/>
-              </a:rPr>
-              <a:t> </a:t>
-            </a:r>
-            <a:r>
-              <a:rPr lang="de-DE" dirty="0" err="1">
-                <a:solidFill>
-                  <a:srgbClr val="FFFFFF"/>
-                </a:solidFill>
-                <a:ea typeface="+mn-lt"/>
-                <a:cs typeface="+mn-lt"/>
-              </a:rPr>
-              <a:t>feito</a:t>
-            </a:r>
-            <a:r>
-              <a:rPr lang="de-DE" dirty="0">
-                <a:solidFill>
-                  <a:srgbClr val="FFFFFF"/>
-                </a:solidFill>
-                <a:ea typeface="+mn-lt"/>
-                <a:cs typeface="+mn-lt"/>
-              </a:rPr>
-              <a:t> </a:t>
-            </a:r>
-            <a:r>
-              <a:rPr lang="de-DE" dirty="0" err="1">
-                <a:solidFill>
-                  <a:srgbClr val="FFFFFF"/>
-                </a:solidFill>
-                <a:ea typeface="+mn-lt"/>
-                <a:cs typeface="+mn-lt"/>
               </a:rPr>
               <a:t>manualmente</a:t>
             </a:r>
             <a:r>
-              <a:rPr lang="de-DE" dirty="0">
+              <a:rPr lang="pt-BR" dirty="0">
                 <a:solidFill>
-                  <a:srgbClr val="FFFFFF"/>
+                  <a:schemeClr val="bg1"/>
                 </a:solidFill>
-                <a:ea typeface="+mn-lt"/>
-                <a:cs typeface="+mn-lt"/>
               </a:rPr>
-              <a:t> </a:t>
-            </a:r>
-            <a:r>
-              <a:rPr lang="de-DE" dirty="0" err="1">
-                <a:solidFill>
-                  <a:srgbClr val="FFFFFF"/>
-                </a:solidFill>
-                <a:ea typeface="+mn-lt"/>
-                <a:cs typeface="+mn-lt"/>
-              </a:rPr>
-              <a:t>ou</a:t>
-            </a:r>
-            <a:r>
-              <a:rPr lang="de-DE" dirty="0">
-                <a:solidFill>
-                  <a:srgbClr val="FFFFFF"/>
-                </a:solidFill>
-                <a:ea typeface="+mn-lt"/>
-                <a:cs typeface="+mn-lt"/>
-              </a:rPr>
-              <a:t> </a:t>
-            </a:r>
-            <a:r>
-              <a:rPr lang="de-DE" dirty="0" err="1">
-                <a:solidFill>
-                  <a:srgbClr val="FFFFFF"/>
-                </a:solidFill>
-                <a:ea typeface="+mn-lt"/>
-                <a:cs typeface="+mn-lt"/>
-              </a:rPr>
-              <a:t>por</a:t>
-            </a:r>
-            <a:r>
-              <a:rPr lang="de-DE" dirty="0">
-                <a:solidFill>
-                  <a:srgbClr val="FFFFFF"/>
-                </a:solidFill>
-                <a:ea typeface="+mn-lt"/>
-                <a:cs typeface="+mn-lt"/>
-              </a:rPr>
-              <a:t> </a:t>
-            </a:r>
-            <a:r>
-              <a:rPr lang="de-DE" dirty="0" err="1">
-                <a:solidFill>
-                  <a:srgbClr val="FFFFFF"/>
-                </a:solidFill>
-                <a:ea typeface="+mn-lt"/>
-                <a:cs typeface="+mn-lt"/>
-              </a:rPr>
-              <a:t>automação</a:t>
-            </a:r>
-            <a:r>
-              <a:rPr lang="de-DE" dirty="0">
-                <a:solidFill>
-                  <a:srgbClr val="FFFFFF"/>
-                </a:solidFill>
-                <a:ea typeface="+mn-lt"/>
-                <a:cs typeface="+mn-lt"/>
-              </a:rPr>
-              <a:t>, </a:t>
-            </a:r>
-            <a:r>
-              <a:rPr lang="de-DE" dirty="0" err="1">
-                <a:solidFill>
-                  <a:srgbClr val="FFFFFF"/>
-                </a:solidFill>
-                <a:ea typeface="+mn-lt"/>
-                <a:cs typeface="+mn-lt"/>
-              </a:rPr>
-              <a:t>dependendo</a:t>
-            </a:r>
-            <a:r>
-              <a:rPr lang="de-DE" dirty="0">
-                <a:solidFill>
-                  <a:srgbClr val="FFFFFF"/>
-                </a:solidFill>
-                <a:ea typeface="+mn-lt"/>
-                <a:cs typeface="+mn-lt"/>
-              </a:rPr>
-              <a:t> do </a:t>
-            </a:r>
-            <a:r>
-              <a:rPr lang="de-DE" dirty="0" err="1">
-                <a:solidFill>
-                  <a:srgbClr val="FFFFFF"/>
-                </a:solidFill>
-                <a:ea typeface="+mn-lt"/>
-                <a:cs typeface="+mn-lt"/>
-              </a:rPr>
-              <a:t>cliente</a:t>
-            </a:r>
-            <a:r>
-              <a:rPr lang="de-DE" dirty="0">
-                <a:solidFill>
-                  <a:srgbClr val="FFFFFF"/>
-                </a:solidFill>
-                <a:ea typeface="+mn-lt"/>
-                <a:cs typeface="+mn-lt"/>
-              </a:rPr>
-              <a:t> e da </a:t>
-            </a:r>
-            <a:r>
-              <a:rPr lang="de-DE" dirty="0" err="1">
-                <a:solidFill>
-                  <a:srgbClr val="FFFFFF"/>
-                </a:solidFill>
-                <a:ea typeface="+mn-lt"/>
-                <a:cs typeface="+mn-lt"/>
-              </a:rPr>
-              <a:t>organização</a:t>
-            </a:r>
-            <a:r>
-              <a:rPr lang="de-DE" dirty="0">
-                <a:solidFill>
-                  <a:srgbClr val="FFFFFF"/>
-                </a:solidFill>
-                <a:ea typeface="+mn-lt"/>
-                <a:cs typeface="+mn-lt"/>
-              </a:rPr>
-              <a:t>.</a:t>
-            </a:r>
-            <a:endParaRPr lang="pt-BR" dirty="0"/>
-          </a:p>
-          <a:p>
+              <a:t> ou de forma automatizada, conforme a organização.</a:t>
+            </a:r>
             <a:endParaRPr lang="de-DE" dirty="0">
               <a:solidFill>
-                <a:srgbClr val="FFFFFF"/>
+                <a:schemeClr val="bg1"/>
               </a:solidFill>
               <a:ea typeface="Calibri"/>
               <a:cs typeface="Calibri"/>
